--- a/DesktopBasic3BestPractice/BestPractice.pptx
+++ b/DesktopBasic3BestPractice/BestPractice.pptx
@@ -33,14 +33,14 @@
   <p:notesSz cx="6858000" cy="9144000"/>
   <p:embeddedFontLst>
     <p:embeddedFont>
-      <p:font typeface="Proxima Nova" panose="020B0604020202020204" charset="0"/>
+      <p:font typeface="Open Sans" panose="020B0604020202020204" charset="0"/>
       <p:regular r:id="rId23"/>
       <p:bold r:id="rId24"/>
       <p:italic r:id="rId25"/>
       <p:boldItalic r:id="rId26"/>
     </p:embeddedFont>
     <p:embeddedFont>
-      <p:font typeface="Open Sans" panose="020B0604020202020204" charset="0"/>
+      <p:font typeface="Proxima Nova" panose="020B0604020202020204" charset="0"/>
       <p:regular r:id="rId27"/>
       <p:bold r:id="rId28"/>
       <p:italic r:id="rId29"/>
@@ -7115,8 +7115,13 @@
             </a:pPr>
             <a:r>
               <a:rPr lang="en"/>
-              <a:t>FME 2016 Training</a:t>
+              <a:t>FME </a:t>
             </a:r>
+            <a:r>
+              <a:rPr lang="en" smtClean="0"/>
+              <a:t>2017</a:t>
+            </a:r>
+            <a:endParaRPr lang="en" dirty="0"/>
           </a:p>
         </p:txBody>
       </p:sp>
